--- a/宋玉彬-年终述职报告-最终 - 副本.pptx
+++ b/宋玉彬-年终述职报告-最终 - 副本.pptx
@@ -653,7 +653,7 @@
           <a:p>
             <a:fld id="{2A1F3036-735A-4F73-8A57-F3B7DC1096A2}" type="datetimeFigureOut">
               <a:rPr lang="zh-CN" altLang="en-US" smtClean="0"/>
-              <a:t>2021/1/11</a:t>
+              <a:t>2021/1/13</a:t>
             </a:fld>
             <a:endParaRPr lang="zh-CN" altLang="en-US"/>
           </a:p>
@@ -6245,7 +6245,7 @@
         <p:spPr>
           <a:xfrm>
             <a:off x="1216433" y="1637267"/>
-            <a:ext cx="9334335" cy="1846146"/>
+            <a:ext cx="9334335" cy="1230593"/>
           </a:xfrm>
           <a:prstGeom prst="rect">
             <a:avLst/>
@@ -6266,9 +6266,6 @@
             </a:pPr>
             <a:r>
               <a:rPr lang="zh-CN" altLang="en-US" sz="2000" dirty="0">
-                <a:solidFill>
-                  <a:srgbClr val="FF0000"/>
-                </a:solidFill>
                 <a:latin typeface="微软雅黑" panose="020B0503020204020204" pitchFamily="34" charset="-122"/>
                 <a:ea typeface="微软雅黑" panose="020B0503020204020204" pitchFamily="34" charset="-122"/>
                 <a:cs typeface="+mn-ea"/>
@@ -6277,9 +6274,6 @@
               <a:t>首页页面优化</a:t>
             </a:r>
             <a:endParaRPr lang="en-US" altLang="zh-CN" sz="2000" dirty="0">
-              <a:solidFill>
-                <a:srgbClr val="FF0000"/>
-              </a:solidFill>
               <a:latin typeface="微软雅黑" panose="020B0503020204020204" pitchFamily="34" charset="-122"/>
               <a:ea typeface="微软雅黑" panose="020B0503020204020204" pitchFamily="34" charset="-122"/>
               <a:cs typeface="+mn-ea"/>
@@ -6347,27 +6341,6 @@
               <a:ea typeface="微软雅黑" panose="020B0503020204020204" pitchFamily="34" charset="-122"/>
               <a:cs typeface="+mn-ea"/>
             </a:endParaRPr>
-          </a:p>
-          <a:p>
-            <a:pPr marL="285750" indent="-285750">
-              <a:lnSpc>
-                <a:spcPct val="200000"/>
-              </a:lnSpc>
-              <a:buFont typeface="Wingdings" pitchFamily="2" charset="2"/>
-              <a:buChar char="n"/>
-            </a:pPr>
-            <a:r>
-              <a:rPr lang="en-US" altLang="zh-CN" sz="2000" dirty="0">
-                <a:solidFill>
-                  <a:srgbClr val="FF0000"/>
-                </a:solidFill>
-                <a:latin typeface="微软雅黑" panose="020B0503020204020204" pitchFamily="34" charset="-122"/>
-                <a:ea typeface="微软雅黑" panose="020B0503020204020204" pitchFamily="34" charset="-122"/>
-                <a:cs typeface="+mn-ea"/>
-                <a:sym typeface="+mn-lt"/>
-              </a:rPr>
-              <a:t>++++++</a:t>
-            </a:r>
           </a:p>
         </p:txBody>
       </p:sp>
